--- a/presentations/mit.pptx
+++ b/presentations/mit.pptx
@@ -234,7 +234,7 @@
           <a:p>
             <a:fld id="{AAF8D7FA-1DAF-4D82-BA59-1F0D220A4C82}" type="datetimeFigureOut">
               <a:rPr lang="en-US" smtClean="0"/>
-              <a:t>1/20/2015</a:t>
+              <a:t>9/21/2015</a:t>
             </a:fld>
             <a:endParaRPr lang="en-US"/>
           </a:p>
@@ -4414,7 +4414,7 @@
           <a:p>
             <a:fld id="{33C0DD8E-787F-4356-BFF8-A015F1F43D07}" type="datetimeFigureOut">
               <a:rPr lang="en-US" smtClean="0"/>
-              <a:t>1/20/2015</a:t>
+              <a:t>9/21/2015</a:t>
             </a:fld>
             <a:endParaRPr lang="en-US"/>
           </a:p>
@@ -4584,7 +4584,7 @@
           <a:p>
             <a:fld id="{33C0DD8E-787F-4356-BFF8-A015F1F43D07}" type="datetimeFigureOut">
               <a:rPr lang="en-US" smtClean="0"/>
-              <a:t>1/20/2015</a:t>
+              <a:t>9/21/2015</a:t>
             </a:fld>
             <a:endParaRPr lang="en-US"/>
           </a:p>
@@ -4764,7 +4764,7 @@
           <a:p>
             <a:fld id="{33C0DD8E-787F-4356-BFF8-A015F1F43D07}" type="datetimeFigureOut">
               <a:rPr lang="en-US" smtClean="0"/>
-              <a:t>1/20/2015</a:t>
+              <a:t>9/21/2015</a:t>
             </a:fld>
             <a:endParaRPr lang="en-US"/>
           </a:p>
@@ -4934,7 +4934,7 @@
           <a:p>
             <a:fld id="{33C0DD8E-787F-4356-BFF8-A015F1F43D07}" type="datetimeFigureOut">
               <a:rPr lang="en-US" smtClean="0"/>
-              <a:t>1/20/2015</a:t>
+              <a:t>9/21/2015</a:t>
             </a:fld>
             <a:endParaRPr lang="en-US"/>
           </a:p>
@@ -5180,7 +5180,7 @@
           <a:p>
             <a:fld id="{33C0DD8E-787F-4356-BFF8-A015F1F43D07}" type="datetimeFigureOut">
               <a:rPr lang="en-US" smtClean="0"/>
-              <a:t>1/20/2015</a:t>
+              <a:t>9/21/2015</a:t>
             </a:fld>
             <a:endParaRPr lang="en-US"/>
           </a:p>
@@ -5468,7 +5468,7 @@
           <a:p>
             <a:fld id="{33C0DD8E-787F-4356-BFF8-A015F1F43D07}" type="datetimeFigureOut">
               <a:rPr lang="en-US" smtClean="0"/>
-              <a:t>1/20/2015</a:t>
+              <a:t>9/21/2015</a:t>
             </a:fld>
             <a:endParaRPr lang="en-US"/>
           </a:p>
@@ -5890,7 +5890,7 @@
           <a:p>
             <a:fld id="{33C0DD8E-787F-4356-BFF8-A015F1F43D07}" type="datetimeFigureOut">
               <a:rPr lang="en-US" smtClean="0"/>
-              <a:t>1/20/2015</a:t>
+              <a:t>9/21/2015</a:t>
             </a:fld>
             <a:endParaRPr lang="en-US"/>
           </a:p>
@@ -6008,7 +6008,7 @@
           <a:p>
             <a:fld id="{33C0DD8E-787F-4356-BFF8-A015F1F43D07}" type="datetimeFigureOut">
               <a:rPr lang="en-US" smtClean="0"/>
-              <a:t>1/20/2015</a:t>
+              <a:t>9/21/2015</a:t>
             </a:fld>
             <a:endParaRPr lang="en-US"/>
           </a:p>
@@ -6103,7 +6103,7 @@
           <a:p>
             <a:fld id="{33C0DD8E-787F-4356-BFF8-A015F1F43D07}" type="datetimeFigureOut">
               <a:rPr lang="en-US" smtClean="0"/>
-              <a:t>1/20/2015</a:t>
+              <a:t>9/21/2015</a:t>
             </a:fld>
             <a:endParaRPr lang="en-US"/>
           </a:p>
@@ -6380,7 +6380,7 @@
           <a:p>
             <a:fld id="{33C0DD8E-787F-4356-BFF8-A015F1F43D07}" type="datetimeFigureOut">
               <a:rPr lang="en-US" smtClean="0"/>
-              <a:t>1/20/2015</a:t>
+              <a:t>9/21/2015</a:t>
             </a:fld>
             <a:endParaRPr lang="en-US"/>
           </a:p>
@@ -6633,7 +6633,7 @@
           <a:p>
             <a:fld id="{33C0DD8E-787F-4356-BFF8-A015F1F43D07}" type="datetimeFigureOut">
               <a:rPr lang="en-US" smtClean="0"/>
-              <a:t>1/20/2015</a:t>
+              <a:t>9/21/2015</a:t>
             </a:fld>
             <a:endParaRPr lang="en-US"/>
           </a:p>
@@ -6846,7 +6846,7 @@
           <a:p>
             <a:fld id="{33C0DD8E-787F-4356-BFF8-A015F1F43D07}" type="datetimeFigureOut">
               <a:rPr lang="en-US" smtClean="0"/>
-              <a:t>1/20/2015</a:t>
+              <a:t>9/21/2015</a:t>
             </a:fld>
             <a:endParaRPr lang="en-US"/>
           </a:p>
@@ -7374,7 +7374,7 @@
             </a:r>
             <a:r>
               <a:rPr lang="en-US" sz="5400" baseline="0" dirty="0" err="1" smtClean="0"/>
-              <a:t>Truthcoin</a:t>
+              <a:t>Hivemind</a:t>
             </a:r>
             <a:r>
               <a:rPr lang="en-US" sz="5400" baseline="0" dirty="0" smtClean="0"/>
@@ -7385,11 +7385,7 @@
             </a:br>
             <a:r>
               <a:rPr lang="en-US" sz="2800" dirty="0" smtClean="0"/>
-              <a:t>Prediction Markets for </a:t>
-            </a:r>
-            <a:r>
-              <a:rPr lang="en-US" sz="2800" dirty="0" err="1" smtClean="0"/>
-              <a:t>Bitcoin</a:t>
+              <a:t>Prediction Markets for Bitcoin</a:t>
             </a:r>
             <a:r>
               <a:rPr lang="en-US" sz="4800" baseline="0" dirty="0" smtClean="0"/>
@@ -10165,15 +10161,7 @@
           <a:p>
             <a:r>
               <a:rPr lang="en-US" sz="3200" dirty="0" smtClean="0"/>
-              <a:t>Many </a:t>
-            </a:r>
-            <a:r>
-              <a:rPr lang="en-US" sz="3200" dirty="0" smtClean="0"/>
-              <a:t>Other (Better) </a:t>
-            </a:r>
-            <a:r>
-              <a:rPr lang="en-US" sz="3200" dirty="0" smtClean="0"/>
-              <a:t>Resources:</a:t>
+              <a:t>Many Other (Better) Resources:</a:t>
             </a:r>
             <a:br>
               <a:rPr lang="en-US" sz="3200" dirty="0" smtClean="0"/>
@@ -10193,7 +10181,7 @@
               <a:rPr lang="en-US" sz="3200" dirty="0" smtClean="0">
                 <a:hlinkClick r:id="rId3"/>
               </a:rPr>
-              <a:t>www.truthcoin.info</a:t>
+              <a:t>BitcoinHivemind.com</a:t>
             </a:r>
             <a:r>
               <a:rPr lang="en-US" sz="3200" dirty="0" smtClean="0"/>
@@ -10756,11 +10744,15 @@
             <a:pPr algn="ctr"/>
             <a:r>
               <a:rPr lang="en-US" sz="3200" dirty="0" err="1" smtClean="0"/>
-              <a:t>Truthcoin</a:t>
+              <a:t>Hivemind</a:t>
             </a:r>
             <a:r>
               <a:rPr lang="en-US" sz="3200" dirty="0" smtClean="0"/>
-              <a:t> Graphic: Two Coin Types</a:t>
+              <a:t> </a:t>
+            </a:r>
+            <a:r>
+              <a:rPr lang="en-US" sz="3200" dirty="0" smtClean="0"/>
+              <a:t>Graphic: Two Coin Types</a:t>
             </a:r>
             <a:endParaRPr lang="en-US" sz="3200" dirty="0"/>
           </a:p>
@@ -18795,11 +18787,15 @@
             </a:r>
             <a:r>
               <a:rPr lang="en-US" dirty="0" err="1" smtClean="0"/>
-              <a:t>Truthcoin</a:t>
+              <a:t>Hivemind</a:t>
             </a:r>
             <a:r>
               <a:rPr lang="en-US" dirty="0" smtClean="0"/>
-              <a:t> Does</a:t>
+              <a:t> </a:t>
+            </a:r>
+            <a:r>
+              <a:rPr lang="en-US" dirty="0" smtClean="0"/>
+              <a:t>Does</a:t>
             </a:r>
           </a:p>
           <a:p>
@@ -18809,13 +18805,20 @@
             </a:pPr>
             <a:r>
               <a:rPr lang="en-US" dirty="0" smtClean="0"/>
-              <a:t>How Truthcoin </a:t>
+              <a:t>How </a:t>
+            </a:r>
+            <a:r>
+              <a:rPr lang="en-US" dirty="0" err="1" smtClean="0"/>
+              <a:t>Hivemind</a:t>
+            </a:r>
+            <a:r>
+              <a:rPr lang="en-US" dirty="0" smtClean="0"/>
+              <a:t> </a:t>
             </a:r>
             <a:r>
               <a:rPr lang="en-US" dirty="0" smtClean="0"/>
               <a:t>Works*</a:t>
             </a:r>
-            <a:endParaRPr lang="en-US" dirty="0" smtClean="0"/>
           </a:p>
           <a:p>
             <a:pPr marL="514350" indent="-514350">
@@ -20430,23 +20433,7 @@
           <a:p>
             <a:r>
               <a:rPr lang="en-US" dirty="0" smtClean="0"/>
-              <a:t>Mechanism: h</a:t>
-            </a:r>
-            <a:r>
-              <a:rPr lang="en-US" dirty="0" smtClean="0"/>
-              <a:t>ow </a:t>
-            </a:r>
-            <a:r>
-              <a:rPr lang="en-US" dirty="0" smtClean="0"/>
-              <a:t>to ‘tie’ people to a permanent reputation (as </a:t>
-            </a:r>
-            <a:r>
-              <a:rPr lang="en-US" dirty="0" smtClean="0"/>
-              <a:t>in </a:t>
-            </a:r>
-            <a:r>
-              <a:rPr lang="en-US" dirty="0" smtClean="0"/>
-              <a:t>real life)?</a:t>
+              <a:t>Mechanism: how to ‘tie’ people to a permanent reputation (as in real life)?</a:t>
             </a:r>
             <a:endParaRPr lang="en-US" dirty="0"/>
           </a:p>
@@ -20512,13 +20499,8 @@
             <a:pPr lvl="2"/>
             <a:r>
               <a:rPr lang="en-US" sz="2800" dirty="0" smtClean="0"/>
-              <a:t>No ‘retirement attack’ (retirees can simply sell</a:t>
-            </a:r>
-            <a:r>
-              <a:rPr lang="en-US" sz="2800" dirty="0" smtClean="0"/>
-              <a:t>). This neutralizes the opportunity cost to attack.</a:t>
-            </a:r>
-            <a:endParaRPr lang="en-US" sz="2800" dirty="0" smtClean="0"/>
+              <a:t>No ‘retirement attack’ (retirees can simply sell). This neutralizes the opportunity cost to attack.</a:t>
+            </a:r>
           </a:p>
           <a:p>
             <a:pPr lvl="2"/>
@@ -23196,11 +23178,11 @@
   <p:clrMapOvr>
     <a:masterClrMapping/>
   </p:clrMapOvr>
-  <mc:AlternateContent xmlns:mc="http://schemas.openxmlformats.org/markup-compatibility/2006">
-    <mc:Choice xmlns:p14="http://schemas.microsoft.com/office/powerpoint/2010/main" Requires="p14">
+  <mc:AlternateContent xmlns:mc="http://schemas.openxmlformats.org/markup-compatibility/2006" xmlns:p14="http://schemas.microsoft.com/office/powerpoint/2010/main">
+    <mc:Choice Requires="p14">
       <p:transition spd="slow" p14:dur="2000"/>
     </mc:Choice>
-    <mc:Fallback>
+    <mc:Fallback xmlns="">
       <p:transition spd="slow"/>
     </mc:Fallback>
   </mc:AlternateContent>
@@ -25110,11 +25092,11 @@
   <p:clrMapOvr>
     <a:masterClrMapping/>
   </p:clrMapOvr>
-  <mc:AlternateContent xmlns:mc="http://schemas.openxmlformats.org/markup-compatibility/2006">
-    <mc:Choice xmlns:p14="http://schemas.microsoft.com/office/powerpoint/2010/main" Requires="p14">
+  <mc:AlternateContent xmlns:mc="http://schemas.openxmlformats.org/markup-compatibility/2006" xmlns:p14="http://schemas.microsoft.com/office/powerpoint/2010/main">
+    <mc:Choice Requires="p14">
       <p:transition spd="slow" p14:dur="2000"/>
     </mc:Choice>
-    <mc:Fallback>
+    <mc:Fallback xmlns="">
       <p:transition spd="slow"/>
     </mc:Fallback>
   </mc:AlternateContent>
@@ -25346,11 +25328,11 @@
   <p:clrMapOvr>
     <a:masterClrMapping/>
   </p:clrMapOvr>
-  <mc:AlternateContent xmlns:mc="http://schemas.openxmlformats.org/markup-compatibility/2006">
-    <mc:Choice xmlns:p14="http://schemas.microsoft.com/office/powerpoint/2010/main" Requires="p14">
+  <mc:AlternateContent xmlns:mc="http://schemas.openxmlformats.org/markup-compatibility/2006" xmlns:p14="http://schemas.microsoft.com/office/powerpoint/2010/main">
+    <mc:Choice Requires="p14">
       <p:transition spd="slow" p14:dur="2000"/>
     </mc:Choice>
-    <mc:Fallback>
+    <mc:Fallback xmlns="">
       <p:transition spd="slow"/>
     </mc:Fallback>
   </mc:AlternateContent>
@@ -28817,11 +28799,11 @@
   <p:clrMapOvr>
     <a:masterClrMapping/>
   </p:clrMapOvr>
-  <mc:AlternateContent xmlns:mc="http://schemas.openxmlformats.org/markup-compatibility/2006">
-    <mc:Choice xmlns:p14="http://schemas.microsoft.com/office/powerpoint/2010/main" Requires="p14">
+  <mc:AlternateContent xmlns:mc="http://schemas.openxmlformats.org/markup-compatibility/2006" xmlns:p14="http://schemas.microsoft.com/office/powerpoint/2010/main">
+    <mc:Choice Requires="p14">
       <p:transition spd="slow" p14:dur="2000"/>
     </mc:Choice>
-    <mc:Fallback>
+    <mc:Fallback xmlns="">
       <p:transition spd="slow"/>
     </mc:Fallback>
   </mc:AlternateContent>
@@ -37337,8 +37319,8 @@
         </p:nvSpPr>
         <p:spPr>
           <a:xfrm>
-            <a:off x="321603" y="152400"/>
-            <a:ext cx="8593797" cy="990600"/>
+            <a:off x="152400" y="152400"/>
+            <a:ext cx="8915400" cy="990600"/>
           </a:xfrm>
         </p:spPr>
         <p:txBody>
@@ -37349,11 +37331,15 @@
           <a:p>
             <a:r>
               <a:rPr lang="en-US" dirty="0" err="1" smtClean="0"/>
-              <a:t>Truthcoin</a:t>
+              <a:t>Hivemind</a:t>
             </a:r>
             <a:r>
               <a:rPr lang="en-US" dirty="0" smtClean="0"/>
-              <a:t> enables </a:t>
+              <a:t> </a:t>
+            </a:r>
+            <a:r>
+              <a:rPr lang="en-US" dirty="0" smtClean="0"/>
+              <a:t>enables </a:t>
             </a:r>
             <a:r>
               <a:rPr lang="en-US" b="1" dirty="0" smtClean="0"/>
